--- a/03_Team_Data/C팀/3주차_2.4장,2.5장_C팀_이지우.pptx
+++ b/03_Team_Data/C팀/3주차_2.4장,2.5장_C팀_이지우.pptx
@@ -3938,7 +3938,7 @@
         </p:blipFill>
         <p:spPr>
           <a:xfrm>
-            <a:off x="1165280" y="2203786"/>
+            <a:off x="1165280" y="3465432"/>
             <a:ext cx="8838070" cy="1654246"/>
           </a:xfrm>
           <a:prstGeom prst="rect">
@@ -3968,7 +3968,7 @@
         </p:nvSpPr>
         <p:spPr>
           <a:xfrm>
-            <a:off x="5280080" y="3009901"/>
+            <a:off x="5280080" y="4271547"/>
             <a:ext cx="990600" cy="304800"/>
           </a:xfrm>
           <a:prstGeom prst="ellipse">
@@ -4020,7 +4020,7 @@
         </p:nvSpPr>
         <p:spPr>
           <a:xfrm>
-            <a:off x="5089015" y="3530373"/>
+            <a:off x="5089015" y="4792019"/>
             <a:ext cx="990600" cy="304800"/>
           </a:xfrm>
           <a:prstGeom prst="ellipse">
@@ -4074,7 +4074,7 @@
         </p:nvCxnSpPr>
         <p:spPr>
           <a:xfrm flipH="1" flipV="1">
-            <a:off x="6125610" y="3270064"/>
+            <a:off x="6125610" y="4531710"/>
             <a:ext cx="373670" cy="806636"/>
           </a:xfrm>
           <a:prstGeom prst="straightConnector1">
@@ -4118,7 +4118,7 @@
         </p:nvCxnSpPr>
         <p:spPr>
           <a:xfrm flipH="1" flipV="1">
-            <a:off x="5934545" y="3790536"/>
+            <a:off x="5934545" y="5052182"/>
             <a:ext cx="377900" cy="286164"/>
           </a:xfrm>
           <a:prstGeom prst="straightConnector1">
@@ -4160,7 +4160,7 @@
         </p:nvSpPr>
         <p:spPr>
           <a:xfrm>
-            <a:off x="5295320" y="4098221"/>
+            <a:off x="5295320" y="5359867"/>
             <a:ext cx="2882520" cy="369332"/>
           </a:xfrm>
           <a:prstGeom prst="rect">
@@ -4203,7 +4203,7 @@
         </p:nvCxnSpPr>
         <p:spPr>
           <a:xfrm flipH="1">
-            <a:off x="7489880" y="2857500"/>
+            <a:off x="7489880" y="4119146"/>
             <a:ext cx="914400" cy="0"/>
           </a:xfrm>
           <a:prstGeom prst="straightConnector1">
@@ -4245,7 +4245,7 @@
         </p:nvCxnSpPr>
         <p:spPr>
           <a:xfrm flipH="1">
-            <a:off x="7263440" y="3467100"/>
+            <a:off x="7263440" y="4728746"/>
             <a:ext cx="914400" cy="0"/>
           </a:xfrm>
           <a:prstGeom prst="straightConnector1">
@@ -4287,7 +4287,7 @@
         </p:nvSpPr>
         <p:spPr>
           <a:xfrm>
-            <a:off x="8422423" y="2694955"/>
+            <a:off x="8422423" y="3956601"/>
             <a:ext cx="2632452" cy="369332"/>
           </a:xfrm>
           <a:prstGeom prst="rect">
@@ -4327,7 +4327,7 @@
         </p:nvSpPr>
         <p:spPr>
           <a:xfrm>
-            <a:off x="8241828" y="3297113"/>
+            <a:off x="8241828" y="4558759"/>
             <a:ext cx="2863284" cy="369332"/>
           </a:xfrm>
           <a:prstGeom prst="rect">
@@ -4367,7 +4367,7 @@
         </p:nvSpPr>
         <p:spPr>
           <a:xfrm>
-            <a:off x="1165280" y="1778931"/>
+            <a:off x="1165280" y="3040577"/>
             <a:ext cx="1673856" cy="369332"/>
           </a:xfrm>
           <a:prstGeom prst="rect">
@@ -4402,7 +4402,7 @@
         </p:nvSpPr>
         <p:spPr>
           <a:xfrm>
-            <a:off x="1165280" y="4958834"/>
+            <a:off x="1165280" y="6220480"/>
             <a:ext cx="1159292" cy="369332"/>
           </a:xfrm>
           <a:prstGeom prst="rect">
@@ -4445,7 +4445,7 @@
         </p:blipFill>
         <p:spPr>
           <a:xfrm>
-            <a:off x="1165280" y="5365187"/>
+            <a:off x="1165280" y="6626833"/>
             <a:ext cx="8397457" cy="882134"/>
           </a:xfrm>
           <a:prstGeom prst="rect">
@@ -4475,7 +4475,7 @@
         </p:nvSpPr>
         <p:spPr>
           <a:xfrm>
-            <a:off x="1165280" y="6426825"/>
+            <a:off x="1165280" y="7688471"/>
             <a:ext cx="8489825" cy="369332"/>
           </a:xfrm>
           <a:prstGeom prst="rect">
@@ -4526,7 +4526,7 @@
         </p:nvCxnSpPr>
         <p:spPr>
           <a:xfrm>
-            <a:off x="2002208" y="6743700"/>
+            <a:off x="2002208" y="8005346"/>
             <a:ext cx="1220472" cy="0"/>
           </a:xfrm>
           <a:prstGeom prst="line">
@@ -4567,7 +4567,7 @@
         </p:nvSpPr>
         <p:spPr>
           <a:xfrm>
-            <a:off x="2628739" y="7041526"/>
+            <a:off x="2628739" y="8303172"/>
             <a:ext cx="2991525" cy="338554"/>
           </a:xfrm>
           <a:prstGeom prst="rect">
@@ -4604,7 +4604,7 @@
         </p:nvCxnSpPr>
         <p:spPr>
           <a:xfrm flipH="1" flipV="1">
-            <a:off x="2839136" y="6759662"/>
+            <a:off x="2839136" y="8021308"/>
             <a:ext cx="149856" cy="237123"/>
           </a:xfrm>
           <a:prstGeom prst="straightConnector1">
@@ -4654,7 +4654,7 @@
         </p:blipFill>
         <p:spPr>
           <a:xfrm>
-            <a:off x="11729420" y="2201618"/>
+            <a:off x="11729420" y="3463264"/>
             <a:ext cx="5393300" cy="882134"/>
           </a:xfrm>
           <a:prstGeom prst="rect">
@@ -4684,7 +4684,7 @@
         </p:nvSpPr>
         <p:spPr>
           <a:xfrm>
-            <a:off x="11704020" y="1778931"/>
+            <a:off x="11704020" y="3040577"/>
             <a:ext cx="2650084" cy="369332"/>
           </a:xfrm>
           <a:prstGeom prst="rect">
@@ -4719,7 +4719,7 @@
         </p:nvSpPr>
         <p:spPr>
           <a:xfrm>
-            <a:off x="14173200" y="2476500"/>
+            <a:off x="14173200" y="3738146"/>
             <a:ext cx="2667000" cy="218455"/>
           </a:xfrm>
           <a:prstGeom prst="rect">
@@ -4771,7 +4771,7 @@
         </p:nvSpPr>
         <p:spPr>
           <a:xfrm>
-            <a:off x="15532100" y="3313441"/>
+            <a:off x="15532100" y="4575087"/>
             <a:ext cx="1107996" cy="369332"/>
           </a:xfrm>
           <a:prstGeom prst="rect">
@@ -4806,7 +4806,7 @@
         </p:nvCxnSpPr>
         <p:spPr>
           <a:xfrm flipV="1">
-            <a:off x="16119396" y="2694955"/>
+            <a:off x="16119396" y="3956601"/>
             <a:ext cx="187404" cy="575109"/>
           </a:xfrm>
           <a:prstGeom prst="straightConnector1">
@@ -4848,7 +4848,7 @@
         </p:nvSpPr>
         <p:spPr>
           <a:xfrm>
-            <a:off x="13563600" y="2201617"/>
+            <a:off x="13563600" y="3463263"/>
             <a:ext cx="2133600" cy="315977"/>
           </a:xfrm>
           <a:prstGeom prst="ellipse">
@@ -4908,7 +4908,7 @@
         </p:blipFill>
         <p:spPr>
           <a:xfrm>
-            <a:off x="10287000" y="5365187"/>
+            <a:off x="10287000" y="6626833"/>
             <a:ext cx="7467600" cy="318739"/>
           </a:xfrm>
           <a:prstGeom prst="rect">
@@ -4938,7 +4938,7 @@
         </p:nvSpPr>
         <p:spPr>
           <a:xfrm>
-            <a:off x="10287000" y="4958834"/>
+            <a:off x="10287000" y="6220480"/>
             <a:ext cx="1443024" cy="369332"/>
           </a:xfrm>
           <a:prstGeom prst="rect">
@@ -4973,7 +4973,7 @@
         </p:nvSpPr>
         <p:spPr>
           <a:xfrm>
-            <a:off x="17145000" y="5328166"/>
+            <a:off x="17145000" y="6589812"/>
             <a:ext cx="457200" cy="369332"/>
           </a:xfrm>
           <a:prstGeom prst="ellipse">
@@ -5025,7 +5025,7 @@
         </p:nvSpPr>
         <p:spPr>
           <a:xfrm>
-            <a:off x="15532100" y="5365186"/>
+            <a:off x="15532100" y="6626832"/>
             <a:ext cx="318740" cy="318740"/>
           </a:xfrm>
           <a:prstGeom prst="ellipse">
@@ -5077,8 +5077,8 @@
         </p:nvSpPr>
         <p:spPr>
           <a:xfrm>
-            <a:off x="10591800" y="5829300"/>
-            <a:ext cx="7479933" cy="1754326"/>
+            <a:off x="10287000" y="7090946"/>
+            <a:ext cx="7768473" cy="1754326"/>
           </a:xfrm>
           <a:prstGeom prst="rect">
             <a:avLst/>
@@ -5091,6 +5091,10 @@
           </a:bodyPr>
           <a:lstStyle/>
           <a:p>
+            <a:pPr marL="285750" indent="-285750">
+              <a:buFont typeface="Arial" panose="020B0604020202020204" pitchFamily="34" charset="0"/>
+              <a:buChar char="•"/>
+            </a:pPr>
             <a:r>
               <a:rPr lang="ko-KR" altLang="en-US" dirty="0"/>
               <a:t>네트워크가 </a:t>
@@ -5122,9 +5126,17 @@
             <a:endParaRPr lang="en-US" altLang="ko-KR" dirty="0"/>
           </a:p>
           <a:p>
+            <a:pPr marL="285750" indent="-285750">
+              <a:buFont typeface="Arial" panose="020B0604020202020204" pitchFamily="34" charset="0"/>
+              <a:buChar char="•"/>
+            </a:pPr>
             <a:endParaRPr lang="en-US" altLang="ko-KR" dirty="0"/>
           </a:p>
           <a:p>
+            <a:pPr marL="285750" indent="-285750">
+              <a:buFont typeface="Arial" panose="020B0604020202020204" pitchFamily="34" charset="0"/>
+              <a:buChar char="•"/>
+            </a:pPr>
             <a:r>
               <a:rPr lang="ko-KR" altLang="en-US" dirty="0"/>
               <a:t>각 반복마다 배치에서 네트워크의 가중치에 대한 </a:t>
@@ -5140,6 +5152,10 @@
             <a:endParaRPr lang="en-US" altLang="ko-KR" dirty="0"/>
           </a:p>
           <a:p>
+            <a:pPr marL="285750" indent="-285750">
+              <a:buFont typeface="Arial" panose="020B0604020202020204" pitchFamily="34" charset="0"/>
+              <a:buChar char="•"/>
+            </a:pPr>
             <a:r>
               <a:rPr lang="ko-KR" altLang="en-US" dirty="0"/>
               <a:t>가중치 업데이트</a:t>
@@ -5147,9 +5163,17 @@
             <a:endParaRPr lang="en-US" altLang="ko-KR" dirty="0"/>
           </a:p>
           <a:p>
+            <a:pPr marL="285750" indent="-285750">
+              <a:buFont typeface="Arial" panose="020B0604020202020204" pitchFamily="34" charset="0"/>
+              <a:buChar char="•"/>
+            </a:pPr>
             <a:endParaRPr lang="en-US" altLang="ko-KR" dirty="0"/>
           </a:p>
           <a:p>
+            <a:pPr marL="285750" indent="-285750">
+              <a:buFont typeface="Arial" panose="020B0604020202020204" pitchFamily="34" charset="0"/>
+              <a:buChar char="•"/>
+            </a:pPr>
             <a:r>
               <a:rPr lang="en-US" altLang="ko-KR" dirty="0"/>
               <a:t>5</a:t>
@@ -5199,7 +5223,7 @@
         </p:nvSpPr>
         <p:spPr>
           <a:xfrm>
-            <a:off x="13792200" y="7199174"/>
+            <a:off x="13792200" y="8460820"/>
             <a:ext cx="762000" cy="306526"/>
           </a:xfrm>
           <a:prstGeom prst="rect">
@@ -5251,7 +5275,7 @@
         </p:nvSpPr>
         <p:spPr>
           <a:xfrm>
-            <a:off x="12573000" y="7734300"/>
+            <a:off x="12573000" y="8995946"/>
             <a:ext cx="3592650" cy="338554"/>
           </a:xfrm>
           <a:prstGeom prst="rect">
@@ -5295,7 +5319,7 @@
         </p:nvCxnSpPr>
         <p:spPr>
           <a:xfrm flipV="1">
-            <a:off x="14173200" y="7505700"/>
+            <a:off x="14173200" y="8767346"/>
             <a:ext cx="0" cy="228600"/>
           </a:xfrm>
           <a:prstGeom prst="straightConnector1">
@@ -5323,6 +5347,107 @@
           </a:fontRef>
         </p:style>
       </p:cxnSp>
+      <p:sp>
+        <p:nvSpPr>
+          <p:cNvPr id="76" name="Object 2">
+            <a:extLst>
+              <a:ext uri="{FF2B5EF4-FFF2-40B4-BE49-F238E27FC236}">
+                <a16:creationId xmlns:a16="http://schemas.microsoft.com/office/drawing/2014/main" id="{85D9A666-922A-4720-BA4E-E2E18D4E63E8}"/>
+              </a:ext>
+            </a:extLst>
+          </p:cNvPr>
+          <p:cNvSpPr txBox="1"/>
+          <p:nvPr/>
+        </p:nvSpPr>
+        <p:spPr>
+          <a:xfrm>
+            <a:off x="2002208" y="1184129"/>
+            <a:ext cx="7291189" cy="707886"/>
+          </a:xfrm>
+          <a:prstGeom prst="rect">
+            <a:avLst/>
+          </a:prstGeom>
+          <a:noFill/>
+        </p:spPr>
+        <p:txBody>
+          <a:bodyPr wrap="square" rtlCol="0" anchor="t">
+            <a:spAutoFit/>
+          </a:bodyPr>
+          <a:lstStyle/>
+          <a:p>
+            <a:r>
+              <a:rPr lang="en-US" sz="4000" dirty="0">
+                <a:solidFill>
+                  <a:srgbClr val="000000"/>
+                </a:solidFill>
+                <a:latin typeface="S-Core Dream 5 Medium" pitchFamily="34" charset="0"/>
+              </a:rPr>
+              <a:t>MNIST</a:t>
+            </a:r>
+            <a:r>
+              <a:rPr lang="ko-KR" altLang="en-US" sz="4000" dirty="0">
+                <a:solidFill>
+                  <a:srgbClr val="000000"/>
+                </a:solidFill>
+                <a:latin typeface="S-Core Dream 5 Medium" pitchFamily="34" charset="0"/>
+              </a:rPr>
+              <a:t> 예제 다시 살펴보기</a:t>
+            </a:r>
+            <a:endParaRPr lang="en-US" dirty="0"/>
+          </a:p>
+        </p:txBody>
+      </p:sp>
+      <p:grpSp>
+        <p:nvGrpSpPr>
+          <p:cNvPr id="78" name="그룹 1002">
+            <a:extLst>
+              <a:ext uri="{FF2B5EF4-FFF2-40B4-BE49-F238E27FC236}">
+                <a16:creationId xmlns:a16="http://schemas.microsoft.com/office/drawing/2014/main" id="{A57C8DD6-914E-4F3D-A588-379F4207A4AB}"/>
+              </a:ext>
+            </a:extLst>
+          </p:cNvPr>
+          <p:cNvGrpSpPr/>
+          <p:nvPr/>
+        </p:nvGrpSpPr>
+        <p:grpSpPr>
+          <a:xfrm>
+            <a:off x="1895238" y="2229961"/>
+            <a:ext cx="370471" cy="95505"/>
+            <a:chOff x="1895238" y="4566427"/>
+            <a:chExt cx="370471" cy="95505"/>
+          </a:xfrm>
+        </p:grpSpPr>
+        <p:pic>
+          <p:nvPicPr>
+            <p:cNvPr id="79" name="Object 9">
+              <a:extLst>
+                <a:ext uri="{FF2B5EF4-FFF2-40B4-BE49-F238E27FC236}">
+                  <a16:creationId xmlns:a16="http://schemas.microsoft.com/office/drawing/2014/main" id="{2A384AF9-1FE4-469B-96E0-CA3D989037BC}"/>
+                </a:ext>
+              </a:extLst>
+            </p:cNvPr>
+            <p:cNvPicPr>
+              <a:picLocks noChangeAspect="1"/>
+            </p:cNvPicPr>
+            <p:nvPr/>
+          </p:nvPicPr>
+          <p:blipFill>
+            <a:blip r:embed="rId6" cstate="print"/>
+            <a:stretch>
+              <a:fillRect/>
+            </a:stretch>
+          </p:blipFill>
+          <p:spPr>
+            <a:xfrm rot="-10800000">
+              <a:off x="1895238" y="4566427"/>
+              <a:ext cx="370471" cy="95505"/>
+            </a:xfrm>
+            <a:prstGeom prst="rect">
+              <a:avLst/>
+            </a:prstGeom>
+          </p:spPr>
+        </p:pic>
+      </p:grpSp>
     </p:spTree>
   </p:cSld>
   <p:clrMapOvr>
